--- a/demo-shopping-cart.pptx
+++ b/demo-shopping-cart.pptx
@@ -252,7 +252,7 @@
           <a:p>
             <a:fld id="{283F46C1-03F4-4738-AF6C-3BB4DA9A2F8A}" type="datetimeFigureOut">
               <a:rPr lang="en-US" smtClean="0"/>
-              <a:t>5/23/2019</a:t>
+              <a:t>5/24/2019</a:t>
             </a:fld>
             <a:endParaRPr lang="en-US"/>
           </a:p>
@@ -422,7 +422,7 @@
           <a:p>
             <a:fld id="{283F46C1-03F4-4738-AF6C-3BB4DA9A2F8A}" type="datetimeFigureOut">
               <a:rPr lang="en-US" smtClean="0"/>
-              <a:t>5/23/2019</a:t>
+              <a:t>5/24/2019</a:t>
             </a:fld>
             <a:endParaRPr lang="en-US"/>
           </a:p>
@@ -602,7 +602,7 @@
           <a:p>
             <a:fld id="{283F46C1-03F4-4738-AF6C-3BB4DA9A2F8A}" type="datetimeFigureOut">
               <a:rPr lang="en-US" smtClean="0"/>
-              <a:t>5/23/2019</a:t>
+              <a:t>5/24/2019</a:t>
             </a:fld>
             <a:endParaRPr lang="en-US"/>
           </a:p>
@@ -772,7 +772,7 @@
           <a:p>
             <a:fld id="{283F46C1-03F4-4738-AF6C-3BB4DA9A2F8A}" type="datetimeFigureOut">
               <a:rPr lang="en-US" smtClean="0"/>
-              <a:t>5/23/2019</a:t>
+              <a:t>5/24/2019</a:t>
             </a:fld>
             <a:endParaRPr lang="en-US"/>
           </a:p>
@@ -1018,7 +1018,7 @@
           <a:p>
             <a:fld id="{283F46C1-03F4-4738-AF6C-3BB4DA9A2F8A}" type="datetimeFigureOut">
               <a:rPr lang="en-US" smtClean="0"/>
-              <a:t>5/23/2019</a:t>
+              <a:t>5/24/2019</a:t>
             </a:fld>
             <a:endParaRPr lang="en-US"/>
           </a:p>
@@ -1250,7 +1250,7 @@
           <a:p>
             <a:fld id="{283F46C1-03F4-4738-AF6C-3BB4DA9A2F8A}" type="datetimeFigureOut">
               <a:rPr lang="en-US" smtClean="0"/>
-              <a:t>5/23/2019</a:t>
+              <a:t>5/24/2019</a:t>
             </a:fld>
             <a:endParaRPr lang="en-US"/>
           </a:p>
@@ -1617,7 +1617,7 @@
           <a:p>
             <a:fld id="{283F46C1-03F4-4738-AF6C-3BB4DA9A2F8A}" type="datetimeFigureOut">
               <a:rPr lang="en-US" smtClean="0"/>
-              <a:t>5/23/2019</a:t>
+              <a:t>5/24/2019</a:t>
             </a:fld>
             <a:endParaRPr lang="en-US"/>
           </a:p>
@@ -1735,7 +1735,7 @@
           <a:p>
             <a:fld id="{283F46C1-03F4-4738-AF6C-3BB4DA9A2F8A}" type="datetimeFigureOut">
               <a:rPr lang="en-US" smtClean="0"/>
-              <a:t>5/23/2019</a:t>
+              <a:t>5/24/2019</a:t>
             </a:fld>
             <a:endParaRPr lang="en-US"/>
           </a:p>
@@ -1830,7 +1830,7 @@
           <a:p>
             <a:fld id="{283F46C1-03F4-4738-AF6C-3BB4DA9A2F8A}" type="datetimeFigureOut">
               <a:rPr lang="en-US" smtClean="0"/>
-              <a:t>5/23/2019</a:t>
+              <a:t>5/24/2019</a:t>
             </a:fld>
             <a:endParaRPr lang="en-US"/>
           </a:p>
@@ -2107,7 +2107,7 @@
           <a:p>
             <a:fld id="{283F46C1-03F4-4738-AF6C-3BB4DA9A2F8A}" type="datetimeFigureOut">
               <a:rPr lang="en-US" smtClean="0"/>
-              <a:t>5/23/2019</a:t>
+              <a:t>5/24/2019</a:t>
             </a:fld>
             <a:endParaRPr lang="en-US"/>
           </a:p>
@@ -2360,7 +2360,7 @@
           <a:p>
             <a:fld id="{283F46C1-03F4-4738-AF6C-3BB4DA9A2F8A}" type="datetimeFigureOut">
               <a:rPr lang="en-US" smtClean="0"/>
-              <a:t>5/23/2019</a:t>
+              <a:t>5/24/2019</a:t>
             </a:fld>
             <a:endParaRPr lang="en-US"/>
           </a:p>
@@ -2573,7 +2573,7 @@
           <a:p>
             <a:fld id="{283F46C1-03F4-4738-AF6C-3BB4DA9A2F8A}" type="datetimeFigureOut">
               <a:rPr lang="en-US" smtClean="0"/>
-              <a:t>5/23/2019</a:t>
+              <a:t>5/24/2019</a:t>
             </a:fld>
             <a:endParaRPr lang="en-US"/>
           </a:p>
@@ -2995,14 +2995,27 @@
           </a:xfrm>
         </p:spPr>
         <p:txBody>
-          <a:bodyPr/>
-          <a:lstStyle/>
-          <a:p>
-            <a:r>
-              <a:rPr lang="en-US" dirty="0" smtClean="0"/>
-              <a:t>Shopping Cart</a:t>
-            </a:r>
-            <a:endParaRPr lang="en-US" dirty="0"/>
+          <a:bodyPr>
+            <a:normAutofit fontScale="90000"/>
+          </a:bodyPr>
+          <a:lstStyle/>
+          <a:p>
+            <a:r>
+              <a:rPr lang="en-US" b="1" dirty="0" smtClean="0"/>
+              <a:t>Shopping </a:t>
+            </a:r>
+            <a:r>
+              <a:rPr lang="en-US" b="1" dirty="0" smtClean="0"/>
+              <a:t>Cart</a:t>
+            </a:r>
+            <a:br>
+              <a:rPr lang="en-US" b="1" dirty="0" smtClean="0"/>
+            </a:br>
+            <a:r>
+              <a:rPr lang="en-US" b="1" dirty="0" smtClean="0"/>
+              <a:t>Assignment</a:t>
+            </a:r>
+            <a:endParaRPr lang="en-US" b="1" dirty="0"/>
           </a:p>
         </p:txBody>
       </p:sp>

--- a/demo-shopping-cart.pptx
+++ b/demo-shopping-cart.pptx
@@ -15,6 +15,7 @@
     <p:sldId id="263" r:id="rId9"/>
     <p:sldId id="264" r:id="rId10"/>
     <p:sldId id="265" r:id="rId11"/>
+    <p:sldId id="266" r:id="rId12"/>
   </p:sldIdLst>
   <p:sldSz cx="12192000" cy="6858000"/>
   <p:notesSz cx="6858000" cy="9144000"/>
@@ -2990,7 +2991,7 @@
         </p:nvSpPr>
         <p:spPr>
           <a:xfrm>
-            <a:off x="1334430" y="992458"/>
+            <a:off x="1334430" y="1628077"/>
             <a:ext cx="9144000" cy="1391231"/>
           </a:xfrm>
         </p:spPr>
@@ -3002,11 +3003,7 @@
           <a:p>
             <a:r>
               <a:rPr lang="en-US" b="1" dirty="0" smtClean="0"/>
-              <a:t>Shopping </a:t>
-            </a:r>
-            <a:r>
-              <a:rPr lang="en-US" b="1" dirty="0" smtClean="0"/>
-              <a:t>Cart</a:t>
+              <a:t>Shopping Cart</a:t>
             </a:r>
             <a:br>
               <a:rPr lang="en-US" b="1" dirty="0" smtClean="0"/>
@@ -3031,8 +3028,8 @@
         </p:nvSpPr>
         <p:spPr>
           <a:xfrm>
-            <a:off x="1524000" y="2642839"/>
-            <a:ext cx="9144000" cy="2614961"/>
+            <a:off x="1524000" y="3378820"/>
+            <a:ext cx="8422888" cy="1878980"/>
           </a:xfrm>
         </p:spPr>
         <p:txBody>
@@ -3199,6 +3196,73 @@
     <p:extLst>
       <p:ext uri="{BB962C8B-B14F-4D97-AF65-F5344CB8AC3E}">
         <p14:creationId xmlns:p14="http://schemas.microsoft.com/office/powerpoint/2010/main" val="1984961270"/>
+      </p:ext>
+    </p:extLst>
+  </p:cSld>
+  <p:clrMapOvr>
+    <a:masterClrMapping/>
+  </p:clrMapOvr>
+</p:sld>
+</file>
+
+<file path=ppt/slides/slide11.xml><?xml version="1.0" encoding="utf-8"?>
+<p:sld xmlns:a="http://schemas.openxmlformats.org/drawingml/2006/main" xmlns:r="http://schemas.openxmlformats.org/officeDocument/2006/relationships" xmlns:p="http://schemas.openxmlformats.org/presentationml/2006/main">
+  <p:cSld>
+    <p:spTree>
+      <p:nvGrpSpPr>
+        <p:cNvPr id="1" name=""/>
+        <p:cNvGrpSpPr/>
+        <p:nvPr/>
+      </p:nvGrpSpPr>
+      <p:grpSpPr>
+        <a:xfrm>
+          <a:off x="0" y="0"/>
+          <a:ext cx="0" cy="0"/>
+          <a:chOff x="0" y="0"/>
+          <a:chExt cx="0" cy="0"/>
+        </a:xfrm>
+      </p:grpSpPr>
+      <p:sp>
+        <p:nvSpPr>
+          <p:cNvPr id="3" name="Content Placeholder 2"/>
+          <p:cNvSpPr>
+            <a:spLocks noGrp="1"/>
+          </p:cNvSpPr>
+          <p:nvPr>
+            <p:ph idx="1"/>
+          </p:nvPr>
+        </p:nvSpPr>
+        <p:spPr>
+          <a:xfrm>
+            <a:off x="3055434" y="2720899"/>
+            <a:ext cx="5898995" cy="1115122"/>
+          </a:xfrm>
+        </p:spPr>
+        <p:txBody>
+          <a:bodyPr>
+            <a:normAutofit/>
+          </a:bodyPr>
+          <a:lstStyle/>
+          <a:p>
+            <a:pPr marL="0" indent="0">
+              <a:buNone/>
+            </a:pPr>
+            <a:r>
+              <a:rPr lang="en-US" dirty="0" smtClean="0"/>
+              <a:t>	</a:t>
+            </a:r>
+            <a:r>
+              <a:rPr lang="en-US" sz="6600" dirty="0" smtClean="0"/>
+              <a:t>Thankyou</a:t>
+            </a:r>
+            <a:endParaRPr lang="en-US" sz="6600" dirty="0"/>
+          </a:p>
+        </p:txBody>
+      </p:sp>
+    </p:spTree>
+    <p:extLst>
+      <p:ext uri="{BB962C8B-B14F-4D97-AF65-F5344CB8AC3E}">
+        <p14:creationId xmlns:p14="http://schemas.microsoft.com/office/powerpoint/2010/main" val="1806185632"/>
       </p:ext>
     </p:extLst>
   </p:cSld>
@@ -3663,12 +3727,16 @@
               <a:t>Component life cycle is maintained. Such as hooks gets triggered for component initiation, after DOM is rendered for attaching </a:t>
             </a:r>
             <a:r>
-              <a:rPr lang="en-US" dirty="0" err="1" smtClean="0"/>
-              <a:t>dom</a:t>
-            </a:r>
-            <a:r>
-              <a:rPr lang="en-US" dirty="0" smtClean="0"/>
-              <a:t> events, after router </a:t>
+              <a:rPr lang="en-US" dirty="0" smtClean="0"/>
+              <a:t>DOM</a:t>
+            </a:r>
+            <a:r>
+              <a:rPr lang="en-US" dirty="0" smtClean="0"/>
+              <a:t> </a:t>
+            </a:r>
+            <a:r>
+              <a:rPr lang="en-US" dirty="0" smtClean="0"/>
+              <a:t>events, after router </a:t>
             </a:r>
             <a:r>
               <a:rPr lang="en-US" dirty="0" err="1" smtClean="0"/>
@@ -3676,7 +3744,23 @@
             </a:r>
             <a:r>
               <a:rPr lang="en-US" dirty="0" smtClean="0"/>
-              <a:t> gets changed and when component is destroyed for detaching events.</a:t>
+              <a:t> </a:t>
+            </a:r>
+            <a:r>
+              <a:rPr lang="en-US" dirty="0" smtClean="0"/>
+              <a:t>gets changed and when component </a:t>
+            </a:r>
+            <a:r>
+              <a:rPr lang="en-US" dirty="0" smtClean="0"/>
+              <a:t>gets</a:t>
+            </a:r>
+            <a:r>
+              <a:rPr lang="en-US" dirty="0" smtClean="0"/>
+              <a:t> </a:t>
+            </a:r>
+            <a:r>
+              <a:rPr lang="en-US" dirty="0" smtClean="0"/>
+              <a:t>destroyed for detaching events.</a:t>
             </a:r>
           </a:p>
           <a:p>
@@ -3704,12 +3788,6 @@
             <a:endParaRPr lang="en-US" dirty="0" smtClean="0"/>
           </a:p>
           <a:p>
-            <a:pPr marL="0" indent="0">
-              <a:buNone/>
-            </a:pPr>
-            <a:endParaRPr lang="en-US" dirty="0" smtClean="0"/>
-          </a:p>
-          <a:p>
             <a:r>
               <a:rPr lang="en-US" dirty="0"/>
               <a:t>Used express-handlebars for </a:t>
@@ -3802,12 +3880,12 @@
               <a:t>DB. Created </a:t>
             </a:r>
             <a:r>
-              <a:rPr lang="en-US" dirty="0" err="1" smtClean="0"/>
-              <a:t>api</a:t>
-            </a:r>
-            <a:r>
-              <a:rPr lang="en-US" dirty="0" smtClean="0"/>
-              <a:t> for fetching products and saving cart items in database.</a:t>
+              <a:rPr lang="en-US" dirty="0" smtClean="0"/>
+              <a:t>API </a:t>
+            </a:r>
+            <a:r>
+              <a:rPr lang="en-US" dirty="0" smtClean="0"/>
+              <a:t>for fetching products and saving cart items in database.</a:t>
             </a:r>
             <a:endParaRPr lang="en-US" dirty="0"/>
           </a:p>
